--- a/SPA PPT/Sports Performance  2.pptx
+++ b/SPA PPT/Sports Performance  2.pptx
@@ -152,7 +152,7 @@
   <pc:docChgLst>
     <pc:chgData name="Sakshi Ambali" userId="c52ac64cda8c9f8f" providerId="LiveId" clId="{7552642C-38DE-4DD7-9CEC-2731F12C01CB}"/>
     <pc:docChg chg="modSld">
-      <pc:chgData name="Sakshi Ambali" userId="c52ac64cda8c9f8f" providerId="LiveId" clId="{7552642C-38DE-4DD7-9CEC-2731F12C01CB}" dt="2025-06-11T09:23:45.768" v="8" actId="1076"/>
+      <pc:chgData name="Sakshi Ambali" userId="c52ac64cda8c9f8f" providerId="LiveId" clId="{7552642C-38DE-4DD7-9CEC-2731F12C01CB}" dt="2025-06-12T06:54:30.918" v="53" actId="20577"/>
       <pc:docMkLst>
         <pc:docMk/>
       </pc:docMkLst>
@@ -176,6 +176,21 @@
             <pc:docMk/>
             <pc:sldMk cId="2259308896" sldId="256"/>
             <ac:spMk id="4" creationId="{54FB815B-5726-FACE-BFF7-BE354788FAE4}"/>
+          </ac:spMkLst>
+        </pc:spChg>
+      </pc:sldChg>
+      <pc:sldChg chg="modSp mod modAnim">
+        <pc:chgData name="Sakshi Ambali" userId="c52ac64cda8c9f8f" providerId="LiveId" clId="{7552642C-38DE-4DD7-9CEC-2731F12C01CB}" dt="2025-06-12T06:54:30.918" v="53" actId="20577"/>
+        <pc:sldMkLst>
+          <pc:docMk/>
+          <pc:sldMk cId="1325608595" sldId="257"/>
+        </pc:sldMkLst>
+        <pc:spChg chg="mod">
+          <ac:chgData name="Sakshi Ambali" userId="c52ac64cda8c9f8f" providerId="LiveId" clId="{7552642C-38DE-4DD7-9CEC-2731F12C01CB}" dt="2025-06-12T06:54:30.918" v="53" actId="20577"/>
+          <ac:spMkLst>
+            <pc:docMk/>
+            <pc:sldMk cId="1325608595" sldId="257"/>
+            <ac:spMk id="3" creationId="{22788C46-D0BC-4307-AE55-7601A139E7CB}"/>
           </ac:spMkLst>
         </pc:spChg>
       </pc:sldChg>
@@ -278,7 +293,7 @@
           <a:p>
             <a:fld id="{144DDA53-17BB-4810-91A8-94FE944ADC38}" type="datetimeFigureOut">
               <a:rPr lang="en-US" smtClean="0"/>
-              <a:t>6/11/2025</a:t>
+              <a:t>6/12/2025</a:t>
             </a:fld>
             <a:endParaRPr lang="en-US" dirty="0"/>
           </a:p>
@@ -455,7 +470,7 @@
           <a:p>
             <a:fld id="{6AF08D30-F807-4561-A81E-6E077448AA00}" type="datetimeFigureOut">
               <a:rPr lang="en-US" smtClean="0"/>
-              <a:t>6/11/2025</a:t>
+              <a:t>6/12/2025</a:t>
             </a:fld>
             <a:endParaRPr lang="en-US" dirty="0"/>
           </a:p>
@@ -2947,7 +2962,7 @@
             <a:fld id="{72B8B865-6043-45BC-B48D-1676CB43D17A}" type="datetime1">
               <a:rPr lang="en-US" smtClean="0"/>
               <a:pPr/>
-              <a:t>6/11/2025</a:t>
+              <a:t>6/12/2025</a:t>
             </a:fld>
             <a:endParaRPr lang="en-US" dirty="0"/>
           </a:p>
@@ -3784,7 +3799,7 @@
             <a:fld id="{72B8B865-6043-45BC-B48D-1676CB43D17A}" type="datetime1">
               <a:rPr lang="en-US" smtClean="0"/>
               <a:pPr/>
-              <a:t>6/11/2025</a:t>
+              <a:t>6/12/2025</a:t>
             </a:fld>
             <a:endParaRPr lang="en-US" dirty="0"/>
           </a:p>
@@ -5901,7 +5916,7 @@
             <a:fld id="{72B8B865-6043-45BC-B48D-1676CB43D17A}" type="datetime1">
               <a:rPr lang="en-US" smtClean="0"/>
               <a:pPr/>
-              <a:t>6/11/2025</a:t>
+              <a:t>6/12/2025</a:t>
             </a:fld>
             <a:endParaRPr lang="en-US" dirty="0"/>
           </a:p>
@@ -6825,7 +6840,7 @@
             <a:fld id="{72B8B865-6043-45BC-B48D-1676CB43D17A}" type="datetime1">
               <a:rPr lang="en-US" smtClean="0"/>
               <a:pPr/>
-              <a:t>6/11/2025</a:t>
+              <a:t>6/12/2025</a:t>
             </a:fld>
             <a:endParaRPr lang="en-US" dirty="0"/>
           </a:p>
@@ -8998,7 +9013,7 @@
             <a:fld id="{72B8B865-6043-45BC-B48D-1676CB43D17A}" type="datetime1">
               <a:rPr lang="en-US" smtClean="0"/>
               <a:pPr/>
-              <a:t>6/11/2025</a:t>
+              <a:t>6/12/2025</a:t>
             </a:fld>
             <a:endParaRPr lang="en-US" dirty="0"/>
           </a:p>
@@ -9420,7 +9435,7 @@
             <a:fld id="{72B8B865-6043-45BC-B48D-1676CB43D17A}" type="datetime1">
               <a:rPr lang="en-US" smtClean="0"/>
               <a:pPr/>
-              <a:t>6/11/2025</a:t>
+              <a:t>6/12/2025</a:t>
             </a:fld>
             <a:endParaRPr lang="en-US" dirty="0"/>
           </a:p>
@@ -10391,7 +10406,7 @@
             <a:fld id="{72B8B865-6043-45BC-B48D-1676CB43D17A}" type="datetime1">
               <a:rPr lang="en-US" smtClean="0"/>
               <a:pPr/>
-              <a:t>6/11/2025</a:t>
+              <a:t>6/12/2025</a:t>
             </a:fld>
             <a:endParaRPr lang="en-US" dirty="0"/>
           </a:p>
@@ -11891,7 +11906,7 @@
             <a:fld id="{72B8B865-6043-45BC-B48D-1676CB43D17A}" type="datetime1">
               <a:rPr lang="en-US" smtClean="0"/>
               <a:pPr/>
-              <a:t>6/11/2025</a:t>
+              <a:t>6/12/2025</a:t>
             </a:fld>
             <a:endParaRPr lang="en-US" dirty="0"/>
           </a:p>
@@ -13522,7 +13537,7 @@
             <a:fld id="{72B8B865-6043-45BC-B48D-1676CB43D17A}" type="datetime1">
               <a:rPr lang="en-US" smtClean="0"/>
               <a:pPr/>
-              <a:t>6/11/2025</a:t>
+              <a:t>6/12/2025</a:t>
             </a:fld>
             <a:endParaRPr lang="en-US" dirty="0"/>
           </a:p>
@@ -14143,7 +14158,7 @@
             <a:fld id="{72B8B865-6043-45BC-B48D-1676CB43D17A}" type="datetime1">
               <a:rPr lang="en-US" smtClean="0"/>
               <a:pPr/>
-              <a:t>6/11/2025</a:t>
+              <a:t>6/12/2025</a:t>
             </a:fld>
             <a:endParaRPr lang="en-US" dirty="0"/>
           </a:p>
@@ -15939,7 +15954,7 @@
             <a:fld id="{72B8B865-6043-45BC-B48D-1676CB43D17A}" type="datetime1">
               <a:rPr lang="en-US" smtClean="0"/>
               <a:pPr/>
-              <a:t>6/11/2025</a:t>
+              <a:t>6/12/2025</a:t>
             </a:fld>
             <a:endParaRPr lang="en-US" dirty="0"/>
           </a:p>
@@ -16781,7 +16796,7 @@
             <a:fld id="{72B8B865-6043-45BC-B48D-1676CB43D17A}" type="datetime1">
               <a:rPr lang="en-US" smtClean="0"/>
               <a:pPr/>
-              <a:t>6/11/2025</a:t>
+              <a:t>6/12/2025</a:t>
             </a:fld>
             <a:endParaRPr lang="en-US" dirty="0"/>
           </a:p>
@@ -17902,7 +17917,7 @@
             <a:fld id="{72B8B865-6043-45BC-B48D-1676CB43D17A}" type="datetime1">
               <a:rPr lang="en-US" smtClean="0"/>
               <a:pPr/>
-              <a:t>6/11/2025</a:t>
+              <a:t>6/12/2025</a:t>
             </a:fld>
             <a:endParaRPr lang="en-US" dirty="0"/>
           </a:p>
@@ -18221,7 +18236,7 @@
           <a:p>
             <a:fld id="{1D4D8EA3-B846-4160-95E9-486302147031}" type="datetime1">
               <a:rPr lang="en-US" smtClean="0"/>
-              <a:t>6/11/2025</a:t>
+              <a:t>6/12/2025</a:t>
             </a:fld>
             <a:endParaRPr lang="en-US" dirty="0"/>
           </a:p>
@@ -19224,7 +19239,7 @@
             <a:fld id="{72B8B865-6043-45BC-B48D-1676CB43D17A}" type="datetime1">
               <a:rPr lang="en-US" smtClean="0"/>
               <a:pPr/>
-              <a:t>6/11/2025</a:t>
+              <a:t>6/12/2025</a:t>
             </a:fld>
             <a:endParaRPr lang="en-US" dirty="0"/>
           </a:p>
@@ -19448,7 +19463,7 @@
             <a:fld id="{72B8B865-6043-45BC-B48D-1676CB43D17A}" type="datetime1">
               <a:rPr lang="en-US" smtClean="0"/>
               <a:pPr/>
-              <a:t>6/11/2025</a:t>
+              <a:t>6/12/2025</a:t>
             </a:fld>
             <a:endParaRPr lang="en-US" dirty="0"/>
           </a:p>
@@ -19760,7 +19775,7 @@
             <a:fld id="{72B8B865-6043-45BC-B48D-1676CB43D17A}" type="datetime1">
               <a:rPr lang="en-US" smtClean="0"/>
               <a:pPr/>
-              <a:t>6/11/2025</a:t>
+              <a:t>6/12/2025</a:t>
             </a:fld>
             <a:endParaRPr lang="en-US" dirty="0"/>
           </a:p>
@@ -20459,7 +20474,7 @@
             <a:fld id="{72B8B865-6043-45BC-B48D-1676CB43D17A}" type="datetime1">
               <a:rPr lang="en-US" smtClean="0"/>
               <a:pPr/>
-              <a:t>6/11/2025</a:t>
+              <a:t>6/12/2025</a:t>
             </a:fld>
             <a:endParaRPr lang="en-US" dirty="0"/>
           </a:p>
@@ -20957,7 +20972,7 @@
             <a:fld id="{72B8B865-6043-45BC-B48D-1676CB43D17A}" type="datetime1">
               <a:rPr lang="en-US" smtClean="0"/>
               <a:pPr/>
-              <a:t>6/11/2025</a:t>
+              <a:t>6/12/2025</a:t>
             </a:fld>
             <a:endParaRPr lang="en-US" dirty="0"/>
           </a:p>
@@ -21251,7 +21266,7 @@
             <a:fld id="{72B8B865-6043-45BC-B48D-1676CB43D17A}" type="datetime1">
               <a:rPr lang="en-US" smtClean="0"/>
               <a:pPr/>
-              <a:t>6/11/2025</a:t>
+              <a:t>6/12/2025</a:t>
             </a:fld>
             <a:endParaRPr lang="en-US" dirty="0"/>
           </a:p>
@@ -21468,7 +21483,7 @@
         </p:nvSpPr>
         <p:spPr>
           <a:xfrm>
-            <a:off x="3957068" y="2287974"/>
+            <a:off x="3957068" y="2016370"/>
             <a:ext cx="4275364" cy="2660213"/>
           </a:xfrm>
         </p:spPr>
@@ -21519,6 +21534,20 @@
           </a:p>
           <a:p>
             <a:r>
+              <a:rPr lang="en-US" dirty="0" err="1">
+                <a:latin typeface="Arial Rounded MT Bold" panose="020F0704030504030204" pitchFamily="34" charset="0"/>
+              </a:rPr>
+              <a:t>StreamLit</a:t>
+            </a:r>
+            <a:r>
+              <a:rPr lang="en-US" dirty="0">
+                <a:latin typeface="Arial Rounded MT Bold" panose="020F0704030504030204" pitchFamily="34" charset="0"/>
+              </a:rPr>
+              <a:t> Application</a:t>
+            </a:r>
+          </a:p>
+          <a:p>
+            <a:r>
               <a:rPr lang="en-US" dirty="0">
                 <a:latin typeface="Arial Rounded MT Bold" panose="020F0704030504030204" pitchFamily="34" charset="0"/>
               </a:rPr>
@@ -21566,7 +21595,7 @@
             <a:fld id="{E9466343-3461-42CD-9CAB-EE1885623C25}" type="datetime1">
               <a:rPr lang="en-US" smtClean="0"/>
               <a:pPr/>
-              <a:t>6/11/2025</a:t>
+              <a:t>6/12/2025</a:t>
             </a:fld>
             <a:endParaRPr lang="en-US" dirty="0"/>
           </a:p>
@@ -21960,6 +21989,49 @@
                                   </p:childTnLst>
                                 </p:cTn>
                               </p:par>
+                              <p:par>
+                                <p:cTn id="28" presetID="22" presetClass="entr" presetSubtype="4" fill="hold" grpId="0" nodeType="withEffect">
+                                  <p:stCondLst>
+                                    <p:cond delay="0"/>
+                                  </p:stCondLst>
+                                  <p:childTnLst>
+                                    <p:set>
+                                      <p:cBhvr>
+                                        <p:cTn id="29" dur="1" fill="hold">
+                                          <p:stCondLst>
+                                            <p:cond delay="0"/>
+                                          </p:stCondLst>
+                                        </p:cTn>
+                                        <p:tgtEl>
+                                          <p:spTgt spid="3">
+                                            <p:txEl>
+                                              <p:pRg st="6" end="6"/>
+                                            </p:txEl>
+                                          </p:spTgt>
+                                        </p:tgtEl>
+                                        <p:attrNameLst>
+                                          <p:attrName>style.visibility</p:attrName>
+                                        </p:attrNameLst>
+                                      </p:cBhvr>
+                                      <p:to>
+                                        <p:strVal val="visible"/>
+                                      </p:to>
+                                    </p:set>
+                                    <p:animEffect transition="in" filter="wipe(down)">
+                                      <p:cBhvr>
+                                        <p:cTn id="30" dur="500"/>
+                                        <p:tgtEl>
+                                          <p:spTgt spid="3">
+                                            <p:txEl>
+                                              <p:pRg st="6" end="6"/>
+                                            </p:txEl>
+                                          </p:spTgt>
+                                        </p:tgtEl>
+                                      </p:cBhvr>
+                                    </p:animEffect>
+                                  </p:childTnLst>
+                                </p:cTn>
+                              </p:par>
                             </p:childTnLst>
                           </p:cTn>
                         </p:par>
@@ -22069,7 +22141,7 @@
             <a:fld id="{72B8B865-6043-45BC-B48D-1676CB43D17A}" type="datetime1">
               <a:rPr lang="en-US" smtClean="0"/>
               <a:pPr/>
-              <a:t>6/11/2025</a:t>
+              <a:t>6/12/2025</a:t>
             </a:fld>
             <a:endParaRPr lang="en-US" dirty="0"/>
           </a:p>
@@ -22440,7 +22512,7 @@
             <a:fld id="{EA52206C-522E-4279-9E0D-1C28CCBD7571}" type="datetime1">
               <a:rPr lang="en-US" smtClean="0"/>
               <a:pPr/>
-              <a:t>6/11/2025</a:t>
+              <a:t>6/12/2025</a:t>
             </a:fld>
             <a:endParaRPr lang="en-US" dirty="0"/>
           </a:p>
@@ -22807,7 +22879,7 @@
             <a:fld id="{72B8B865-6043-45BC-B48D-1676CB43D17A}" type="datetime1">
               <a:rPr lang="en-US" smtClean="0"/>
               <a:pPr/>
-              <a:t>6/11/2025</a:t>
+              <a:t>6/12/2025</a:t>
             </a:fld>
             <a:endParaRPr lang="en-US" dirty="0"/>
           </a:p>
@@ -23121,7 +23193,7 @@
             <a:fld id="{8224D3FE-FC64-4F60-BC7C-E273976648BC}" type="datetime1">
               <a:rPr lang="en-US" smtClean="0"/>
               <a:pPr/>
-              <a:t>6/11/2025</a:t>
+              <a:t>6/12/2025</a:t>
             </a:fld>
             <a:endParaRPr lang="en-US" dirty="0"/>
           </a:p>
@@ -23874,7 +23946,7 @@
             <a:fld id="{72B8B865-6043-45BC-B48D-1676CB43D17A}" type="datetime1">
               <a:rPr lang="en-US" smtClean="0"/>
               <a:pPr/>
-              <a:t>6/11/2025</a:t>
+              <a:t>6/12/2025</a:t>
             </a:fld>
             <a:endParaRPr lang="en-US" dirty="0"/>
           </a:p>
@@ -24559,7 +24631,7 @@
             <a:fld id="{72B8B865-6043-45BC-B48D-1676CB43D17A}" type="datetime1">
               <a:rPr lang="en-US" smtClean="0"/>
               <a:pPr/>
-              <a:t>6/11/2025</a:t>
+              <a:t>6/12/2025</a:t>
             </a:fld>
             <a:endParaRPr lang="en-US" dirty="0"/>
           </a:p>
@@ -24821,7 +24893,7 @@
             <a:fld id="{72B8B865-6043-45BC-B48D-1676CB43D17A}" type="datetime1">
               <a:rPr lang="en-US" smtClean="0"/>
               <a:pPr/>
-              <a:t>6/11/2025</a:t>
+              <a:t>6/12/2025</a:t>
             </a:fld>
             <a:endParaRPr lang="en-US" dirty="0"/>
           </a:p>
@@ -27003,6 +27075,15 @@
 </file>
 
 <file path=customXml/item2.xml><?xml version="1.0" encoding="utf-8"?>
+<?mso-contentType ?>
+<FormTemplates xmlns="http://schemas.microsoft.com/sharepoint/v3/contenttype/forms">
+  <Display>DocumentLibraryForm</Display>
+  <Edit>DocumentLibraryForm</Edit>
+  <New>DocumentLibraryForm</New>
+</FormTemplates>
+</file>
+
+<file path=customXml/item3.xml><?xml version="1.0" encoding="utf-8"?>
 <p:properties xmlns:p="http://schemas.microsoft.com/office/2006/metadata/properties" xmlns:xsi="http://www.w3.org/2001/XMLSchema-instance" xmlns:pc="http://schemas.microsoft.com/office/infopath/2007/PartnerControls">
   <documentManagement>
     <_ip_UnifiedCompliancePolicyUIAction xmlns="http://schemas.microsoft.com/sharepoint/v3" xsi:nil="true"/>
@@ -27020,15 +27101,6 @@
     <MediaServiceKeyPoints xmlns="71af3243-3dd4-4a8d-8c0d-dd76da1f02a5" xsi:nil="true"/>
   </documentManagement>
 </p:properties>
-</file>
-
-<file path=customXml/item3.xml><?xml version="1.0" encoding="utf-8"?>
-<?mso-contentType ?>
-<FormTemplates xmlns="http://schemas.microsoft.com/sharepoint/v3/contenttype/forms">
-  <Display>DocumentLibraryForm</Display>
-  <Edit>DocumentLibraryForm</Edit>
-  <New>DocumentLibraryForm</New>
-</FormTemplates>
 </file>
 
 <file path=customXml/itemProps1.xml><?xml version="1.0" encoding="utf-8"?>
@@ -27053,6 +27125,14 @@
 </file>
 
 <file path=customXml/itemProps2.xml><?xml version="1.0" encoding="utf-8"?>
+<ds:datastoreItem xmlns:ds="http://schemas.openxmlformats.org/officeDocument/2006/customXml" ds:itemID="{F55A16D6-EDBE-419D-AF8F-74F00E41AFB5}">
+  <ds:schemaRefs>
+    <ds:schemaRef ds:uri="http://schemas.microsoft.com/sharepoint/v3/contenttype/forms"/>
+  </ds:schemaRefs>
+</ds:datastoreItem>
+</file>
+
+<file path=customXml/itemProps3.xml><?xml version="1.0" encoding="utf-8"?>
 <ds:datastoreItem xmlns:ds="http://schemas.openxmlformats.org/officeDocument/2006/customXml" ds:itemID="{25BF1A99-35F0-4B73-B737-B4DCDCD8CA57}">
   <ds:schemaRefs>
     <ds:schemaRef ds:uri="http://schemas.microsoft.com/office/2006/metadata/properties"/>
@@ -27064,14 +27144,6 @@
 </ds:datastoreItem>
 </file>
 
-<file path=customXml/itemProps3.xml><?xml version="1.0" encoding="utf-8"?>
-<ds:datastoreItem xmlns:ds="http://schemas.openxmlformats.org/officeDocument/2006/customXml" ds:itemID="{F55A16D6-EDBE-419D-AF8F-74F00E41AFB5}">
-  <ds:schemaRefs>
-    <ds:schemaRef ds:uri="http://schemas.microsoft.com/sharepoint/v3/contenttype/forms"/>
-  </ds:schemaRefs>
-</ds:datastoreItem>
-</file>
-
 <file path=docMetadata/LabelInfo.xml><?xml version="1.0" encoding="utf-8"?>
 <clbl:labelList xmlns:clbl="http://schemas.microsoft.com/office/2020/mipLabelMetadata"/>
 </file>